--- a/Presentations/An_Intro_to_Git.pptx
+++ b/Presentations/An_Intro_to_Git.pptx
@@ -4,6 +4,9 @@
   <p:sldMasterIdLst>
     <p:sldMasterId id="2147483648" r:id="rId4"/>
   </p:sldMasterIdLst>
+  <p:notesMasterIdLst>
+    <p:notesMasterId r:id="rId24"/>
+  </p:notesMasterIdLst>
   <p:sldIdLst>
     <p:sldId id="256" r:id="rId5"/>
     <p:sldId id="257" r:id="rId6"/>
@@ -184,17 +187,25 @@
   </pc:docChgLst>
   <pc:docChgLst>
     <pc:chgData name="Davis, Andrew" userId="0fa2884f-1f6d-4417-b5d4-eb94560dc0be" providerId="ADAL" clId="{F1E85C7C-FF9B-401D-8B35-AF912CE5C5B2}"/>
-    <pc:docChg chg="custSel modSld">
-      <pc:chgData name="Davis, Andrew" userId="0fa2884f-1f6d-4417-b5d4-eb94560dc0be" providerId="ADAL" clId="{F1E85C7C-FF9B-401D-8B35-AF912CE5C5B2}" dt="2021-04-29T17:12:54.790" v="0" actId="478"/>
+    <pc:docChg chg="undo custSel modSld">
+      <pc:chgData name="Davis, Andrew" userId="0fa2884f-1f6d-4417-b5d4-eb94560dc0be" providerId="ADAL" clId="{F1E85C7C-FF9B-401D-8B35-AF912CE5C5B2}" dt="2021-05-03T20:06:56.756" v="34" actId="20577"/>
       <pc:docMkLst>
         <pc:docMk/>
       </pc:docMkLst>
-      <pc:sldChg chg="delSp">
-        <pc:chgData name="Davis, Andrew" userId="0fa2884f-1f6d-4417-b5d4-eb94560dc0be" providerId="ADAL" clId="{F1E85C7C-FF9B-401D-8B35-AF912CE5C5B2}" dt="2021-04-29T17:12:54.790" v="0" actId="478"/>
+      <pc:sldChg chg="delSp modSp">
+        <pc:chgData name="Davis, Andrew" userId="0fa2884f-1f6d-4417-b5d4-eb94560dc0be" providerId="ADAL" clId="{F1E85C7C-FF9B-401D-8B35-AF912CE5C5B2}" dt="2021-05-03T19:47:21.331" v="11" actId="20577"/>
         <pc:sldMkLst>
           <pc:docMk/>
           <pc:sldMk cId="3908920049" sldId="256"/>
         </pc:sldMkLst>
+        <pc:spChg chg="mod">
+          <ac:chgData name="Davis, Andrew" userId="0fa2884f-1f6d-4417-b5d4-eb94560dc0be" providerId="ADAL" clId="{F1E85C7C-FF9B-401D-8B35-AF912CE5C5B2}" dt="2021-05-03T19:47:21.331" v="11" actId="20577"/>
+          <ac:spMkLst>
+            <pc:docMk/>
+            <pc:sldMk cId="3908920049" sldId="256"/>
+            <ac:spMk id="3" creationId="{48B6156E-D897-4EA4-8E8E-CA0F86A444F4}"/>
+          </ac:spMkLst>
+        </pc:spChg>
         <pc:picChg chg="del">
           <ac:chgData name="Davis, Andrew" userId="0fa2884f-1f6d-4417-b5d4-eb94560dc0be" providerId="ADAL" clId="{F1E85C7C-FF9B-401D-8B35-AF912CE5C5B2}" dt="2021-04-29T17:12:54.790" v="0" actId="478"/>
           <ac:picMkLst>
@@ -204,12 +215,589 @@
           </ac:picMkLst>
         </pc:picChg>
       </pc:sldChg>
+      <pc:sldChg chg="modSp">
+        <pc:chgData name="Davis, Andrew" userId="0fa2884f-1f6d-4417-b5d4-eb94560dc0be" providerId="ADAL" clId="{F1E85C7C-FF9B-401D-8B35-AF912CE5C5B2}" dt="2021-05-03T19:32:31.210" v="8" actId="1036"/>
+        <pc:sldMkLst>
+          <pc:docMk/>
+          <pc:sldMk cId="537003915" sldId="258"/>
+        </pc:sldMkLst>
+        <pc:spChg chg="mod">
+          <ac:chgData name="Davis, Andrew" userId="0fa2884f-1f6d-4417-b5d4-eb94560dc0be" providerId="ADAL" clId="{F1E85C7C-FF9B-401D-8B35-AF912CE5C5B2}" dt="2021-05-03T19:32:31.210" v="8" actId="1036"/>
+          <ac:spMkLst>
+            <pc:docMk/>
+            <pc:sldMk cId="537003915" sldId="258"/>
+            <ac:spMk id="4" creationId="{B202D164-0928-4B64-AF86-91BA538141DB}"/>
+          </ac:spMkLst>
+        </pc:spChg>
+      </pc:sldChg>
+      <pc:sldChg chg="modSp">
+        <pc:chgData name="Davis, Andrew" userId="0fa2884f-1f6d-4417-b5d4-eb94560dc0be" providerId="ADAL" clId="{F1E85C7C-FF9B-401D-8B35-AF912CE5C5B2}" dt="2021-05-03T20:02:33.935" v="12" actId="167"/>
+        <pc:sldMkLst>
+          <pc:docMk/>
+          <pc:sldMk cId="376900440" sldId="262"/>
+        </pc:sldMkLst>
+        <pc:picChg chg="ord">
+          <ac:chgData name="Davis, Andrew" userId="0fa2884f-1f6d-4417-b5d4-eb94560dc0be" providerId="ADAL" clId="{F1E85C7C-FF9B-401D-8B35-AF912CE5C5B2}" dt="2021-05-03T20:02:33.935" v="12" actId="167"/>
+          <ac:picMkLst>
+            <pc:docMk/>
+            <pc:sldMk cId="376900440" sldId="262"/>
+            <ac:picMk id="6" creationId="{EC89D54D-D820-4B95-8D0B-887311FF7CB3}"/>
+          </ac:picMkLst>
+        </pc:picChg>
+      </pc:sldChg>
+      <pc:sldChg chg="modSp">
+        <pc:chgData name="Davis, Andrew" userId="0fa2884f-1f6d-4417-b5d4-eb94560dc0be" providerId="ADAL" clId="{F1E85C7C-FF9B-401D-8B35-AF912CE5C5B2}" dt="2021-05-03T20:05:27.077" v="30" actId="20577"/>
+        <pc:sldMkLst>
+          <pc:docMk/>
+          <pc:sldMk cId="2028960190" sldId="263"/>
+        </pc:sldMkLst>
+        <pc:spChg chg="mod">
+          <ac:chgData name="Davis, Andrew" userId="0fa2884f-1f6d-4417-b5d4-eb94560dc0be" providerId="ADAL" clId="{F1E85C7C-FF9B-401D-8B35-AF912CE5C5B2}" dt="2021-05-03T20:05:27.077" v="30" actId="20577"/>
+          <ac:spMkLst>
+            <pc:docMk/>
+            <pc:sldMk cId="2028960190" sldId="263"/>
+            <ac:spMk id="3" creationId="{885F3717-1B7D-4AED-B1FB-46501530334E}"/>
+          </ac:spMkLst>
+        </pc:spChg>
+      </pc:sldChg>
+      <pc:sldChg chg="modSp">
+        <pc:chgData name="Davis, Andrew" userId="0fa2884f-1f6d-4417-b5d4-eb94560dc0be" providerId="ADAL" clId="{F1E85C7C-FF9B-401D-8B35-AF912CE5C5B2}" dt="2021-05-03T20:06:56.756" v="34" actId="20577"/>
+        <pc:sldMkLst>
+          <pc:docMk/>
+          <pc:sldMk cId="1009978317" sldId="271"/>
+        </pc:sldMkLst>
+        <pc:spChg chg="mod">
+          <ac:chgData name="Davis, Andrew" userId="0fa2884f-1f6d-4417-b5d4-eb94560dc0be" providerId="ADAL" clId="{F1E85C7C-FF9B-401D-8B35-AF912CE5C5B2}" dt="2021-05-03T20:06:56.756" v="34" actId="20577"/>
+          <ac:spMkLst>
+            <pc:docMk/>
+            <pc:sldMk cId="1009978317" sldId="271"/>
+            <ac:spMk id="3" creationId="{885F3717-1B7D-4AED-B1FB-46501530334E}"/>
+          </ac:spMkLst>
+        </pc:spChg>
+      </pc:sldChg>
     </pc:docChg>
   </pc:docChgLst>
   <pc:docChgLst>
     <pc:chgData name="Davis, Andrew" userId="0fa2884f-1f6d-4417-b5d4-eb94560dc0be" providerId="ADAL" clId="{06B70804-CB62-41FC-A6A5-E01B370DF20E}"/>
   </pc:docChgLst>
 </pc:chgInfo>
+</file>
+
+<file path=ppt/notesMasters/notesMaster1.xml><?xml version="1.0" encoding="utf-8"?>
+<p:notesMaster xmlns:a="http://schemas.openxmlformats.org/drawingml/2006/main" xmlns:r="http://schemas.openxmlformats.org/officeDocument/2006/relationships" xmlns:p="http://schemas.openxmlformats.org/presentationml/2006/main">
+  <p:cSld>
+    <p:bg>
+      <p:bgRef idx="1001">
+        <a:schemeClr val="bg1"/>
+      </p:bgRef>
+    </p:bg>
+    <p:spTree>
+      <p:nvGrpSpPr>
+        <p:cNvPr id="1" name=""/>
+        <p:cNvGrpSpPr/>
+        <p:nvPr/>
+      </p:nvGrpSpPr>
+      <p:grpSpPr>
+        <a:xfrm>
+          <a:off x="0" y="0"/>
+          <a:ext cx="0" cy="0"/>
+          <a:chOff x="0" y="0"/>
+          <a:chExt cx="0" cy="0"/>
+        </a:xfrm>
+      </p:grpSpPr>
+      <p:sp>
+        <p:nvSpPr>
+          <p:cNvPr id="2" name="Header Placeholder 1"/>
+          <p:cNvSpPr>
+            <a:spLocks noGrp="1"/>
+          </p:cNvSpPr>
+          <p:nvPr>
+            <p:ph type="hdr" sz="quarter"/>
+          </p:nvPr>
+        </p:nvSpPr>
+        <p:spPr>
+          <a:xfrm>
+            <a:off x="0" y="0"/>
+            <a:ext cx="2971800" cy="458788"/>
+          </a:xfrm>
+          <a:prstGeom prst="rect">
+            <a:avLst/>
+          </a:prstGeom>
+        </p:spPr>
+        <p:txBody>
+          <a:bodyPr vert="horz" lIns="91440" tIns="45720" rIns="91440" bIns="45720" rtlCol="0"/>
+          <a:lstStyle>
+            <a:lvl1pPr algn="l">
+              <a:defRPr sz="1200"/>
+            </a:lvl1pPr>
+          </a:lstStyle>
+          <a:p>
+            <a:endParaRPr lang="en-US"/>
+          </a:p>
+        </p:txBody>
+      </p:sp>
+      <p:sp>
+        <p:nvSpPr>
+          <p:cNvPr id="3" name="Date Placeholder 2"/>
+          <p:cNvSpPr>
+            <a:spLocks noGrp="1"/>
+          </p:cNvSpPr>
+          <p:nvPr>
+            <p:ph type="dt" idx="1"/>
+          </p:nvPr>
+        </p:nvSpPr>
+        <p:spPr>
+          <a:xfrm>
+            <a:off x="3884613" y="0"/>
+            <a:ext cx="2971800" cy="458788"/>
+          </a:xfrm>
+          <a:prstGeom prst="rect">
+            <a:avLst/>
+          </a:prstGeom>
+        </p:spPr>
+        <p:txBody>
+          <a:bodyPr vert="horz" lIns="91440" tIns="45720" rIns="91440" bIns="45720" rtlCol="0"/>
+          <a:lstStyle>
+            <a:lvl1pPr algn="r">
+              <a:defRPr sz="1200"/>
+            </a:lvl1pPr>
+          </a:lstStyle>
+          <a:p>
+            <a:fld id="{A2F9D09F-254D-4B09-B23F-828C84D81458}" type="datetimeFigureOut">
+              <a:rPr lang="en-US" smtClean="0"/>
+              <a:t>5/3/2021</a:t>
+            </a:fld>
+            <a:endParaRPr lang="en-US"/>
+          </a:p>
+        </p:txBody>
+      </p:sp>
+      <p:sp>
+        <p:nvSpPr>
+          <p:cNvPr id="4" name="Slide Image Placeholder 3"/>
+          <p:cNvSpPr>
+            <a:spLocks noGrp="1" noRot="1" noChangeAspect="1"/>
+          </p:cNvSpPr>
+          <p:nvPr>
+            <p:ph type="sldImg" idx="2"/>
+          </p:nvPr>
+        </p:nvSpPr>
+        <p:spPr>
+          <a:xfrm>
+            <a:off x="685800" y="1143000"/>
+            <a:ext cx="5486400" cy="3086100"/>
+          </a:xfrm>
+          <a:prstGeom prst="rect">
+            <a:avLst/>
+          </a:prstGeom>
+          <a:noFill/>
+          <a:ln w="12700">
+            <a:solidFill>
+              <a:prstClr val="black"/>
+            </a:solidFill>
+          </a:ln>
+        </p:spPr>
+        <p:txBody>
+          <a:bodyPr vert="horz" lIns="91440" tIns="45720" rIns="91440" bIns="45720" rtlCol="0" anchor="ctr"/>
+          <a:lstStyle/>
+          <a:p>
+            <a:endParaRPr lang="en-US"/>
+          </a:p>
+        </p:txBody>
+      </p:sp>
+      <p:sp>
+        <p:nvSpPr>
+          <p:cNvPr id="5" name="Notes Placeholder 4"/>
+          <p:cNvSpPr>
+            <a:spLocks noGrp="1"/>
+          </p:cNvSpPr>
+          <p:nvPr>
+            <p:ph type="body" sz="quarter" idx="3"/>
+          </p:nvPr>
+        </p:nvSpPr>
+        <p:spPr>
+          <a:xfrm>
+            <a:off x="685800" y="4400550"/>
+            <a:ext cx="5486400" cy="3600450"/>
+          </a:xfrm>
+          <a:prstGeom prst="rect">
+            <a:avLst/>
+          </a:prstGeom>
+        </p:spPr>
+        <p:txBody>
+          <a:bodyPr vert="horz" lIns="91440" tIns="45720" rIns="91440" bIns="45720" rtlCol="0"/>
+          <a:lstStyle/>
+          <a:p>
+            <a:pPr lvl="0"/>
+            <a:r>
+              <a:rPr lang="en-US"/>
+              <a:t>Edit Master text styles</a:t>
+            </a:r>
+          </a:p>
+          <a:p>
+            <a:pPr lvl="1"/>
+            <a:r>
+              <a:rPr lang="en-US"/>
+              <a:t>Second level</a:t>
+            </a:r>
+          </a:p>
+          <a:p>
+            <a:pPr lvl="2"/>
+            <a:r>
+              <a:rPr lang="en-US"/>
+              <a:t>Third level</a:t>
+            </a:r>
+          </a:p>
+          <a:p>
+            <a:pPr lvl="3"/>
+            <a:r>
+              <a:rPr lang="en-US"/>
+              <a:t>Fourth level</a:t>
+            </a:r>
+          </a:p>
+          <a:p>
+            <a:pPr lvl="4"/>
+            <a:r>
+              <a:rPr lang="en-US"/>
+              <a:t>Fifth level</a:t>
+            </a:r>
+          </a:p>
+        </p:txBody>
+      </p:sp>
+      <p:sp>
+        <p:nvSpPr>
+          <p:cNvPr id="6" name="Footer Placeholder 5"/>
+          <p:cNvSpPr>
+            <a:spLocks noGrp="1"/>
+          </p:cNvSpPr>
+          <p:nvPr>
+            <p:ph type="ftr" sz="quarter" idx="4"/>
+          </p:nvPr>
+        </p:nvSpPr>
+        <p:spPr>
+          <a:xfrm>
+            <a:off x="0" y="8685213"/>
+            <a:ext cx="2971800" cy="458787"/>
+          </a:xfrm>
+          <a:prstGeom prst="rect">
+            <a:avLst/>
+          </a:prstGeom>
+        </p:spPr>
+        <p:txBody>
+          <a:bodyPr vert="horz" lIns="91440" tIns="45720" rIns="91440" bIns="45720" rtlCol="0" anchor="b"/>
+          <a:lstStyle>
+            <a:lvl1pPr algn="l">
+              <a:defRPr sz="1200"/>
+            </a:lvl1pPr>
+          </a:lstStyle>
+          <a:p>
+            <a:endParaRPr lang="en-US"/>
+          </a:p>
+        </p:txBody>
+      </p:sp>
+      <p:sp>
+        <p:nvSpPr>
+          <p:cNvPr id="7" name="Slide Number Placeholder 6"/>
+          <p:cNvSpPr>
+            <a:spLocks noGrp="1"/>
+          </p:cNvSpPr>
+          <p:nvPr>
+            <p:ph type="sldNum" sz="quarter" idx="5"/>
+          </p:nvPr>
+        </p:nvSpPr>
+        <p:spPr>
+          <a:xfrm>
+            <a:off x="3884613" y="8685213"/>
+            <a:ext cx="2971800" cy="458787"/>
+          </a:xfrm>
+          <a:prstGeom prst="rect">
+            <a:avLst/>
+          </a:prstGeom>
+        </p:spPr>
+        <p:txBody>
+          <a:bodyPr vert="horz" lIns="91440" tIns="45720" rIns="91440" bIns="45720" rtlCol="0" anchor="b"/>
+          <a:lstStyle>
+            <a:lvl1pPr algn="r">
+              <a:defRPr sz="1200"/>
+            </a:lvl1pPr>
+          </a:lstStyle>
+          <a:p>
+            <a:fld id="{4F6296EA-CD88-4016-A2F8-973ACCC30B55}" type="slidenum">
+              <a:rPr lang="en-US" smtClean="0"/>
+              <a:t>‹#›</a:t>
+            </a:fld>
+            <a:endParaRPr lang="en-US"/>
+          </a:p>
+        </p:txBody>
+      </p:sp>
+    </p:spTree>
+    <p:extLst>
+      <p:ext uri="{BB962C8B-B14F-4D97-AF65-F5344CB8AC3E}">
+        <p14:creationId xmlns:p14="http://schemas.microsoft.com/office/powerpoint/2010/main" val="2145959834"/>
+      </p:ext>
+    </p:extLst>
+  </p:cSld>
+  <p:clrMap bg1="lt1" tx1="dk1" bg2="lt2" tx2="dk2" accent1="accent1" accent2="accent2" accent3="accent3" accent4="accent4" accent5="accent5" accent6="accent6" hlink="hlink" folHlink="folHlink"/>
+  <p:notesStyle>
+    <a:lvl1pPr marL="0" algn="l" defTabSz="914400" rtl="0" eaLnBrk="1" latinLnBrk="0" hangingPunct="1">
+      <a:defRPr sz="1200" kern="1200">
+        <a:solidFill>
+          <a:schemeClr val="tx1"/>
+        </a:solidFill>
+        <a:latin typeface="+mn-lt"/>
+        <a:ea typeface="+mn-ea"/>
+        <a:cs typeface="+mn-cs"/>
+      </a:defRPr>
+    </a:lvl1pPr>
+    <a:lvl2pPr marL="457200" algn="l" defTabSz="914400" rtl="0" eaLnBrk="1" latinLnBrk="0" hangingPunct="1">
+      <a:defRPr sz="1200" kern="1200">
+        <a:solidFill>
+          <a:schemeClr val="tx1"/>
+        </a:solidFill>
+        <a:latin typeface="+mn-lt"/>
+        <a:ea typeface="+mn-ea"/>
+        <a:cs typeface="+mn-cs"/>
+      </a:defRPr>
+    </a:lvl2pPr>
+    <a:lvl3pPr marL="914400" algn="l" defTabSz="914400" rtl="0" eaLnBrk="1" latinLnBrk="0" hangingPunct="1">
+      <a:defRPr sz="1200" kern="1200">
+        <a:solidFill>
+          <a:schemeClr val="tx1"/>
+        </a:solidFill>
+        <a:latin typeface="+mn-lt"/>
+        <a:ea typeface="+mn-ea"/>
+        <a:cs typeface="+mn-cs"/>
+      </a:defRPr>
+    </a:lvl3pPr>
+    <a:lvl4pPr marL="1371600" algn="l" defTabSz="914400" rtl="0" eaLnBrk="1" latinLnBrk="0" hangingPunct="1">
+      <a:defRPr sz="1200" kern="1200">
+        <a:solidFill>
+          <a:schemeClr val="tx1"/>
+        </a:solidFill>
+        <a:latin typeface="+mn-lt"/>
+        <a:ea typeface="+mn-ea"/>
+        <a:cs typeface="+mn-cs"/>
+      </a:defRPr>
+    </a:lvl4pPr>
+    <a:lvl5pPr marL="1828800" algn="l" defTabSz="914400" rtl="0" eaLnBrk="1" latinLnBrk="0" hangingPunct="1">
+      <a:defRPr sz="1200" kern="1200">
+        <a:solidFill>
+          <a:schemeClr val="tx1"/>
+        </a:solidFill>
+        <a:latin typeface="+mn-lt"/>
+        <a:ea typeface="+mn-ea"/>
+        <a:cs typeface="+mn-cs"/>
+      </a:defRPr>
+    </a:lvl5pPr>
+    <a:lvl6pPr marL="2286000" algn="l" defTabSz="914400" rtl="0" eaLnBrk="1" latinLnBrk="0" hangingPunct="1">
+      <a:defRPr sz="1200" kern="1200">
+        <a:solidFill>
+          <a:schemeClr val="tx1"/>
+        </a:solidFill>
+        <a:latin typeface="+mn-lt"/>
+        <a:ea typeface="+mn-ea"/>
+        <a:cs typeface="+mn-cs"/>
+      </a:defRPr>
+    </a:lvl6pPr>
+    <a:lvl7pPr marL="2743200" algn="l" defTabSz="914400" rtl="0" eaLnBrk="1" latinLnBrk="0" hangingPunct="1">
+      <a:defRPr sz="1200" kern="1200">
+        <a:solidFill>
+          <a:schemeClr val="tx1"/>
+        </a:solidFill>
+        <a:latin typeface="+mn-lt"/>
+        <a:ea typeface="+mn-ea"/>
+        <a:cs typeface="+mn-cs"/>
+      </a:defRPr>
+    </a:lvl7pPr>
+    <a:lvl8pPr marL="3200400" algn="l" defTabSz="914400" rtl="0" eaLnBrk="1" latinLnBrk="0" hangingPunct="1">
+      <a:defRPr sz="1200" kern="1200">
+        <a:solidFill>
+          <a:schemeClr val="tx1"/>
+        </a:solidFill>
+        <a:latin typeface="+mn-lt"/>
+        <a:ea typeface="+mn-ea"/>
+        <a:cs typeface="+mn-cs"/>
+      </a:defRPr>
+    </a:lvl8pPr>
+    <a:lvl9pPr marL="3657600" algn="l" defTabSz="914400" rtl="0" eaLnBrk="1" latinLnBrk="0" hangingPunct="1">
+      <a:defRPr sz="1200" kern="1200">
+        <a:solidFill>
+          <a:schemeClr val="tx1"/>
+        </a:solidFill>
+        <a:latin typeface="+mn-lt"/>
+        <a:ea typeface="+mn-ea"/>
+        <a:cs typeface="+mn-cs"/>
+      </a:defRPr>
+    </a:lvl9pPr>
+  </p:notesStyle>
+</p:notesMaster>
+</file>
+
+<file path=ppt/notesSlides/notesSlide1.xml><?xml version="1.0" encoding="utf-8"?>
+<p:notes xmlns:a="http://schemas.openxmlformats.org/drawingml/2006/main" xmlns:r="http://schemas.openxmlformats.org/officeDocument/2006/relationships" xmlns:p="http://schemas.openxmlformats.org/presentationml/2006/main">
+  <p:cSld>
+    <p:spTree>
+      <p:nvGrpSpPr>
+        <p:cNvPr id="1" name=""/>
+        <p:cNvGrpSpPr/>
+        <p:nvPr/>
+      </p:nvGrpSpPr>
+      <p:grpSpPr>
+        <a:xfrm>
+          <a:off x="0" y="0"/>
+          <a:ext cx="0" cy="0"/>
+          <a:chOff x="0" y="0"/>
+          <a:chExt cx="0" cy="0"/>
+        </a:xfrm>
+      </p:grpSpPr>
+      <p:sp>
+        <p:nvSpPr>
+          <p:cNvPr id="2" name="Slide Image Placeholder 1"/>
+          <p:cNvSpPr>
+            <a:spLocks noGrp="1" noRot="1" noChangeAspect="1"/>
+          </p:cNvSpPr>
+          <p:nvPr>
+            <p:ph type="sldImg"/>
+          </p:nvPr>
+        </p:nvSpPr>
+        <p:spPr/>
+      </p:sp>
+      <p:sp>
+        <p:nvSpPr>
+          <p:cNvPr id="3" name="Notes Placeholder 2"/>
+          <p:cNvSpPr>
+            <a:spLocks noGrp="1"/>
+          </p:cNvSpPr>
+          <p:nvPr>
+            <p:ph type="body" idx="1"/>
+          </p:nvPr>
+        </p:nvSpPr>
+        <p:spPr/>
+        <p:txBody>
+          <a:bodyPr/>
+          <a:lstStyle/>
+          <a:p>
+            <a:endParaRPr lang="en-US" dirty="0"/>
+          </a:p>
+        </p:txBody>
+      </p:sp>
+      <p:sp>
+        <p:nvSpPr>
+          <p:cNvPr id="4" name="Slide Number Placeholder 3"/>
+          <p:cNvSpPr>
+            <a:spLocks noGrp="1"/>
+          </p:cNvSpPr>
+          <p:nvPr>
+            <p:ph type="sldNum" sz="quarter" idx="10"/>
+          </p:nvPr>
+        </p:nvSpPr>
+        <p:spPr/>
+        <p:txBody>
+          <a:bodyPr/>
+          <a:lstStyle/>
+          <a:p>
+            <a:fld id="{4F6296EA-CD88-4016-A2F8-973ACCC30B55}" type="slidenum">
+              <a:rPr lang="en-US" smtClean="0"/>
+              <a:t>1</a:t>
+            </a:fld>
+            <a:endParaRPr lang="en-US"/>
+          </a:p>
+        </p:txBody>
+      </p:sp>
+    </p:spTree>
+    <p:extLst>
+      <p:ext uri="{BB962C8B-B14F-4D97-AF65-F5344CB8AC3E}">
+        <p14:creationId xmlns:p14="http://schemas.microsoft.com/office/powerpoint/2010/main" val="1545670653"/>
+      </p:ext>
+    </p:extLst>
+  </p:cSld>
+  <p:clrMapOvr>
+    <a:masterClrMapping/>
+  </p:clrMapOvr>
+</p:notes>
+</file>
+
+<file path=ppt/notesSlides/notesSlide2.xml><?xml version="1.0" encoding="utf-8"?>
+<p:notes xmlns:a="http://schemas.openxmlformats.org/drawingml/2006/main" xmlns:r="http://schemas.openxmlformats.org/officeDocument/2006/relationships" xmlns:p="http://schemas.openxmlformats.org/presentationml/2006/main">
+  <p:cSld>
+    <p:spTree>
+      <p:nvGrpSpPr>
+        <p:cNvPr id="1" name=""/>
+        <p:cNvGrpSpPr/>
+        <p:nvPr/>
+      </p:nvGrpSpPr>
+      <p:grpSpPr>
+        <a:xfrm>
+          <a:off x="0" y="0"/>
+          <a:ext cx="0" cy="0"/>
+          <a:chOff x="0" y="0"/>
+          <a:chExt cx="0" cy="0"/>
+        </a:xfrm>
+      </p:grpSpPr>
+      <p:sp>
+        <p:nvSpPr>
+          <p:cNvPr id="2" name="Slide Image Placeholder 1"/>
+          <p:cNvSpPr>
+            <a:spLocks noGrp="1" noRot="1" noChangeAspect="1"/>
+          </p:cNvSpPr>
+          <p:nvPr>
+            <p:ph type="sldImg"/>
+          </p:nvPr>
+        </p:nvSpPr>
+        <p:spPr/>
+      </p:sp>
+      <p:sp>
+        <p:nvSpPr>
+          <p:cNvPr id="3" name="Notes Placeholder 2"/>
+          <p:cNvSpPr>
+            <a:spLocks noGrp="1"/>
+          </p:cNvSpPr>
+          <p:nvPr>
+            <p:ph type="body" idx="1"/>
+          </p:nvPr>
+        </p:nvSpPr>
+        <p:spPr/>
+        <p:txBody>
+          <a:bodyPr/>
+          <a:lstStyle/>
+          <a:p>
+            <a:endParaRPr lang="en-US" dirty="0"/>
+          </a:p>
+        </p:txBody>
+      </p:sp>
+      <p:sp>
+        <p:nvSpPr>
+          <p:cNvPr id="4" name="Slide Number Placeholder 3"/>
+          <p:cNvSpPr>
+            <a:spLocks noGrp="1"/>
+          </p:cNvSpPr>
+          <p:nvPr>
+            <p:ph type="sldNum" sz="quarter" idx="10"/>
+          </p:nvPr>
+        </p:nvSpPr>
+        <p:spPr/>
+        <p:txBody>
+          <a:bodyPr/>
+          <a:lstStyle/>
+          <a:p>
+            <a:fld id="{4F6296EA-CD88-4016-A2F8-973ACCC30B55}" type="slidenum">
+              <a:rPr lang="en-US" smtClean="0"/>
+              <a:t>2</a:t>
+            </a:fld>
+            <a:endParaRPr lang="en-US"/>
+          </a:p>
+        </p:txBody>
+      </p:sp>
+    </p:spTree>
+    <p:extLst>
+      <p:ext uri="{BB962C8B-B14F-4D97-AF65-F5344CB8AC3E}">
+        <p14:creationId xmlns:p14="http://schemas.microsoft.com/office/powerpoint/2010/main" val="433569114"/>
+      </p:ext>
+    </p:extLst>
+  </p:cSld>
+  <p:clrMapOvr>
+    <a:masterClrMapping/>
+  </p:clrMapOvr>
+</p:notes>
 </file>
 
 <file path=ppt/slideLayouts/slideLayout1.xml><?xml version="1.0" encoding="utf-8"?>
@@ -359,7 +947,7 @@
           <a:p>
             <a:fld id="{2CD2F459-05B1-4841-966C-AF296B578CA8}" type="datetimeFigureOut">
               <a:rPr lang="en-US" smtClean="0"/>
-              <a:t>4/29/2021</a:t>
+              <a:t>5/3/2021</a:t>
             </a:fld>
             <a:endParaRPr lang="en-US"/>
           </a:p>
@@ -557,7 +1145,7 @@
           <a:p>
             <a:fld id="{2CD2F459-05B1-4841-966C-AF296B578CA8}" type="datetimeFigureOut">
               <a:rPr lang="en-US" smtClean="0"/>
-              <a:t>4/29/2021</a:t>
+              <a:t>5/3/2021</a:t>
             </a:fld>
             <a:endParaRPr lang="en-US"/>
           </a:p>
@@ -765,7 +1353,7 @@
           <a:p>
             <a:fld id="{2CD2F459-05B1-4841-966C-AF296B578CA8}" type="datetimeFigureOut">
               <a:rPr lang="en-US" smtClean="0"/>
-              <a:t>4/29/2021</a:t>
+              <a:t>5/3/2021</a:t>
             </a:fld>
             <a:endParaRPr lang="en-US"/>
           </a:p>
@@ -963,7 +1551,7 @@
           <a:p>
             <a:fld id="{2CD2F459-05B1-4841-966C-AF296B578CA8}" type="datetimeFigureOut">
               <a:rPr lang="en-US" smtClean="0"/>
-              <a:t>4/29/2021</a:t>
+              <a:t>5/3/2021</a:t>
             </a:fld>
             <a:endParaRPr lang="en-US"/>
           </a:p>
@@ -1238,7 +1826,7 @@
           <a:p>
             <a:fld id="{2CD2F459-05B1-4841-966C-AF296B578CA8}" type="datetimeFigureOut">
               <a:rPr lang="en-US" smtClean="0"/>
-              <a:t>4/29/2021</a:t>
+              <a:t>5/3/2021</a:t>
             </a:fld>
             <a:endParaRPr lang="en-US"/>
           </a:p>
@@ -1503,7 +2091,7 @@
           <a:p>
             <a:fld id="{2CD2F459-05B1-4841-966C-AF296B578CA8}" type="datetimeFigureOut">
               <a:rPr lang="en-US" smtClean="0"/>
-              <a:t>4/29/2021</a:t>
+              <a:t>5/3/2021</a:t>
             </a:fld>
             <a:endParaRPr lang="en-US"/>
           </a:p>
@@ -1915,7 +2503,7 @@
           <a:p>
             <a:fld id="{2CD2F459-05B1-4841-966C-AF296B578CA8}" type="datetimeFigureOut">
               <a:rPr lang="en-US" smtClean="0"/>
-              <a:t>4/29/2021</a:t>
+              <a:t>5/3/2021</a:t>
             </a:fld>
             <a:endParaRPr lang="en-US"/>
           </a:p>
@@ -2056,7 +2644,7 @@
           <a:p>
             <a:fld id="{2CD2F459-05B1-4841-966C-AF296B578CA8}" type="datetimeFigureOut">
               <a:rPr lang="en-US" smtClean="0"/>
-              <a:t>4/29/2021</a:t>
+              <a:t>5/3/2021</a:t>
             </a:fld>
             <a:endParaRPr lang="en-US"/>
           </a:p>
@@ -2169,7 +2757,7 @@
           <a:p>
             <a:fld id="{2CD2F459-05B1-4841-966C-AF296B578CA8}" type="datetimeFigureOut">
               <a:rPr lang="en-US" smtClean="0"/>
-              <a:t>4/29/2021</a:t>
+              <a:t>5/3/2021</a:t>
             </a:fld>
             <a:endParaRPr lang="en-US"/>
           </a:p>
@@ -2480,7 +3068,7 @@
           <a:p>
             <a:fld id="{2CD2F459-05B1-4841-966C-AF296B578CA8}" type="datetimeFigureOut">
               <a:rPr lang="en-US" smtClean="0"/>
-              <a:t>4/29/2021</a:t>
+              <a:t>5/3/2021</a:t>
             </a:fld>
             <a:endParaRPr lang="en-US"/>
           </a:p>
@@ -2768,7 +3356,7 @@
           <a:p>
             <a:fld id="{2CD2F459-05B1-4841-966C-AF296B578CA8}" type="datetimeFigureOut">
               <a:rPr lang="en-US" smtClean="0"/>
-              <a:t>4/29/2021</a:t>
+              <a:t>5/3/2021</a:t>
             </a:fld>
             <a:endParaRPr lang="en-US"/>
           </a:p>
@@ -3009,7 +3597,7 @@
           <a:p>
             <a:fld id="{2CD2F459-05B1-4841-966C-AF296B578CA8}" type="datetimeFigureOut">
               <a:rPr lang="en-US" smtClean="0"/>
-              <a:t>4/29/2021</a:t>
+              <a:t>5/3/2021</a:t>
             </a:fld>
             <a:endParaRPr lang="en-US"/>
           </a:p>
@@ -3523,7 +4111,7 @@
                 <a:latin typeface="Arial" panose="020B0604020202020204" pitchFamily="34" charset="0"/>
                 <a:cs typeface="Arial" panose="020B0604020202020204" pitchFamily="34" charset="0"/>
               </a:rPr>
-              <a:t>4/29/2020</a:t>
+              <a:t>5/4/2021</a:t>
             </a:r>
           </a:p>
         </p:txBody>
@@ -3534,36 +4122,6 @@
             <a:extLst>
               <a:ext uri="{FF2B5EF4-FFF2-40B4-BE49-F238E27FC236}">
                 <a16:creationId xmlns:a16="http://schemas.microsoft.com/office/drawing/2014/main" id="{AC65D63F-7D16-48C0-872A-51F1AB56D0A7}"/>
-              </a:ext>
-            </a:extLst>
-          </p:cNvPr>
-          <p:cNvPicPr>
-            <a:picLocks noChangeAspect="1"/>
-          </p:cNvPicPr>
-          <p:nvPr/>
-        </p:nvPicPr>
-        <p:blipFill>
-          <a:blip r:embed="rId2"/>
-          <a:stretch>
-            <a:fillRect/>
-          </a:stretch>
-        </p:blipFill>
-        <p:spPr>
-          <a:xfrm>
-            <a:off x="487680" y="620396"/>
-            <a:ext cx="2988564" cy="1500074"/>
-          </a:xfrm>
-          <a:prstGeom prst="rect">
-            <a:avLst/>
-          </a:prstGeom>
-        </p:spPr>
-      </p:pic>
-      <p:pic>
-        <p:nvPicPr>
-          <p:cNvPr id="6" name="Picture 5">
-            <a:extLst>
-              <a:ext uri="{FF2B5EF4-FFF2-40B4-BE49-F238E27FC236}">
-                <a16:creationId xmlns:a16="http://schemas.microsoft.com/office/drawing/2014/main" id="{C83F4B10-148C-4BD9-958F-FEC936C07E78}"/>
               </a:ext>
             </a:extLst>
           </p:cNvPr>
@@ -3574,6 +4132,36 @@
         </p:nvPicPr>
         <p:blipFill>
           <a:blip r:embed="rId3"/>
+          <a:stretch>
+            <a:fillRect/>
+          </a:stretch>
+        </p:blipFill>
+        <p:spPr>
+          <a:xfrm>
+            <a:off x="487680" y="620396"/>
+            <a:ext cx="2988564" cy="1500074"/>
+          </a:xfrm>
+          <a:prstGeom prst="rect">
+            <a:avLst/>
+          </a:prstGeom>
+        </p:spPr>
+      </p:pic>
+      <p:pic>
+        <p:nvPicPr>
+          <p:cNvPr id="6" name="Picture 5">
+            <a:extLst>
+              <a:ext uri="{FF2B5EF4-FFF2-40B4-BE49-F238E27FC236}">
+                <a16:creationId xmlns:a16="http://schemas.microsoft.com/office/drawing/2014/main" id="{C83F4B10-148C-4BD9-958F-FEC936C07E78}"/>
+              </a:ext>
+            </a:extLst>
+          </p:cNvPr>
+          <p:cNvPicPr>
+            <a:picLocks noChangeAspect="1"/>
+          </p:cNvPicPr>
+          <p:nvPr/>
+        </p:nvPicPr>
+        <p:blipFill>
+          <a:blip r:embed="rId4"/>
           <a:stretch>
             <a:fillRect/>
           </a:stretch>
@@ -3690,7 +4278,7 @@
                 <a:latin typeface="Arial" panose="020B0604020202020204" pitchFamily="34" charset="0"/>
                 <a:cs typeface="Arial" panose="020B0604020202020204" pitchFamily="34" charset="0"/>
               </a:rPr>
-              <a:t>Pretend we’ve made some commits under “master” and have just created a branch “iss53”.</a:t>
+              <a:t>Pretend we’ve made some commits under “main” and have just created a branch “iss53”.</a:t>
             </a:r>
           </a:p>
         </p:txBody>
@@ -6390,7 +6978,7 @@
           <p:nvPr/>
         </p:nvPicPr>
         <p:blipFill>
-          <a:blip r:embed="rId2"/>
+          <a:blip r:embed="rId3"/>
           <a:stretch>
             <a:fillRect/>
           </a:stretch>
@@ -6611,7 +7199,7 @@
         </p:nvSpPr>
         <p:spPr>
           <a:xfrm>
-            <a:off x="3290294" y="6460498"/>
+            <a:off x="3290294" y="6488779"/>
             <a:ext cx="6015429" cy="307777"/>
           </a:xfrm>
           <a:prstGeom prst="rect">
@@ -7376,171 +7964,6 @@
           <a:chExt cx="0" cy="0"/>
         </a:xfrm>
       </p:grpSpPr>
-      <p:sp>
-        <p:nvSpPr>
-          <p:cNvPr id="2" name="Title 1">
-            <a:extLst>
-              <a:ext uri="{FF2B5EF4-FFF2-40B4-BE49-F238E27FC236}">
-                <a16:creationId xmlns:a16="http://schemas.microsoft.com/office/drawing/2014/main" id="{AF417423-8306-4D10-B4DA-79041A6117B3}"/>
-              </a:ext>
-            </a:extLst>
-          </p:cNvPr>
-          <p:cNvSpPr>
-            <a:spLocks noGrp="1"/>
-          </p:cNvSpPr>
-          <p:nvPr>
-            <p:ph type="title"/>
-          </p:nvPr>
-        </p:nvSpPr>
-        <p:spPr>
-          <a:xfrm>
-            <a:off x="909145" y="183821"/>
-            <a:ext cx="10515600" cy="635985"/>
-          </a:xfrm>
-        </p:spPr>
-        <p:txBody>
-          <a:bodyPr>
-            <a:normAutofit/>
-          </a:bodyPr>
-          <a:lstStyle/>
-          <a:p>
-            <a:pPr algn="ctr"/>
-            <a:r>
-              <a:rPr lang="en-US" sz="3800" dirty="0">
-                <a:latin typeface="Arial" panose="020B0604020202020204" pitchFamily="34" charset="0"/>
-                <a:cs typeface="Arial" panose="020B0604020202020204" pitchFamily="34" charset="0"/>
-              </a:rPr>
-              <a:t>Commits and branches</a:t>
-            </a:r>
-          </a:p>
-        </p:txBody>
-      </p:sp>
-      <p:sp>
-        <p:nvSpPr>
-          <p:cNvPr id="3" name="Content Placeholder 2">
-            <a:extLst>
-              <a:ext uri="{FF2B5EF4-FFF2-40B4-BE49-F238E27FC236}">
-                <a16:creationId xmlns:a16="http://schemas.microsoft.com/office/drawing/2014/main" id="{885F3717-1B7D-4AED-B1FB-46501530334E}"/>
-              </a:ext>
-            </a:extLst>
-          </p:cNvPr>
-          <p:cNvSpPr>
-            <a:spLocks noGrp="1"/>
-          </p:cNvSpPr>
-          <p:nvPr>
-            <p:ph idx="1"/>
-          </p:nvPr>
-        </p:nvSpPr>
-        <p:spPr>
-          <a:xfrm>
-            <a:off x="838200" y="1253331"/>
-            <a:ext cx="10515600" cy="4351338"/>
-          </a:xfrm>
-        </p:spPr>
-        <p:txBody>
-          <a:bodyPr>
-            <a:normAutofit/>
-          </a:bodyPr>
-          <a:lstStyle/>
-          <a:p>
-            <a:r>
-              <a:rPr lang="en-US" sz="2000" dirty="0">
-                <a:latin typeface="Arial" panose="020B0604020202020204" pitchFamily="34" charset="0"/>
-                <a:cs typeface="Arial" panose="020B0604020202020204" pitchFamily="34" charset="0"/>
-              </a:rPr>
-              <a:t>A </a:t>
-            </a:r>
-            <a:r>
-              <a:rPr lang="en-US" sz="2000" b="1" dirty="0">
-                <a:latin typeface="Arial" panose="020B0604020202020204" pitchFamily="34" charset="0"/>
-                <a:cs typeface="Arial" panose="020B0604020202020204" pitchFamily="34" charset="0"/>
-              </a:rPr>
-              <a:t>branch</a:t>
-            </a:r>
-            <a:r>
-              <a:rPr lang="en-US" sz="2000" dirty="0">
-                <a:latin typeface="Arial" panose="020B0604020202020204" pitchFamily="34" charset="0"/>
-                <a:cs typeface="Arial" panose="020B0604020202020204" pitchFamily="34" charset="0"/>
-              </a:rPr>
-              <a:t> is a pointer to a commit.</a:t>
-            </a:r>
-          </a:p>
-          <a:p>
-            <a:r>
-              <a:rPr lang="en-US" sz="2000" dirty="0">
-                <a:latin typeface="Arial" panose="020B0604020202020204" pitchFamily="34" charset="0"/>
-                <a:cs typeface="Arial" panose="020B0604020202020204" pitchFamily="34" charset="0"/>
-              </a:rPr>
-              <a:t>The default branch in git is called </a:t>
-            </a:r>
-            <a:r>
-              <a:rPr lang="en-US" sz="2000" b="1" dirty="0">
-                <a:latin typeface="Arial" panose="020B0604020202020204" pitchFamily="34" charset="0"/>
-                <a:cs typeface="Arial" panose="020B0604020202020204" pitchFamily="34" charset="0"/>
-              </a:rPr>
-              <a:t>main</a:t>
-            </a:r>
-            <a:r>
-              <a:rPr lang="en-US" sz="2000" dirty="0">
-                <a:latin typeface="Arial" panose="020B0604020202020204" pitchFamily="34" charset="0"/>
-                <a:cs typeface="Arial" panose="020B0604020202020204" pitchFamily="34" charset="0"/>
-              </a:rPr>
-              <a:t> (formerly </a:t>
-            </a:r>
-            <a:r>
-              <a:rPr lang="en-US" sz="2000" b="1" dirty="0">
-                <a:latin typeface="Arial" panose="020B0604020202020204" pitchFamily="34" charset="0"/>
-                <a:cs typeface="Arial" panose="020B0604020202020204" pitchFamily="34" charset="0"/>
-              </a:rPr>
-              <a:t>master)</a:t>
-            </a:r>
-            <a:r>
-              <a:rPr lang="en-US" sz="2000" dirty="0">
-                <a:latin typeface="Arial" panose="020B0604020202020204" pitchFamily="34" charset="0"/>
-                <a:cs typeface="Arial" panose="020B0604020202020204" pitchFamily="34" charset="0"/>
-              </a:rPr>
-              <a:t>, referred to as the “main branch”.</a:t>
-            </a:r>
-          </a:p>
-        </p:txBody>
-      </p:sp>
-      <p:sp>
-        <p:nvSpPr>
-          <p:cNvPr id="4" name="Rectangle 3">
-            <a:extLst>
-              <a:ext uri="{FF2B5EF4-FFF2-40B4-BE49-F238E27FC236}">
-                <a16:creationId xmlns:a16="http://schemas.microsoft.com/office/drawing/2014/main" id="{3F3DB16B-F7CB-46C0-A666-9C53FFBE3A92}"/>
-              </a:ext>
-            </a:extLst>
-          </p:cNvPr>
-          <p:cNvSpPr/>
-          <p:nvPr/>
-        </p:nvSpPr>
-        <p:spPr>
-          <a:xfrm>
-            <a:off x="3290294" y="6460498"/>
-            <a:ext cx="6015429" cy="307777"/>
-          </a:xfrm>
-          <a:prstGeom prst="rect">
-            <a:avLst/>
-          </a:prstGeom>
-        </p:spPr>
-        <p:txBody>
-          <a:bodyPr wrap="none">
-            <a:spAutoFit/>
-          </a:bodyPr>
-          <a:lstStyle/>
-          <a:p>
-            <a:r>
-              <a:rPr lang="en-US" sz="1400" i="1" dirty="0">
-                <a:latin typeface="Arial" panose="020B0604020202020204" pitchFamily="34" charset="0"/>
-                <a:cs typeface="Arial" panose="020B0604020202020204" pitchFamily="34" charset="0"/>
-              </a:rPr>
-              <a:t>Adapted from P. Stewart: An introduction to version control with git. 2018  </a:t>
-            </a:r>
-          </a:p>
-        </p:txBody>
-      </p:sp>
       <p:pic>
         <p:nvPicPr>
           <p:cNvPr id="6" name="Picture 5">
@@ -7571,6 +7994,171 @@
           </a:prstGeom>
         </p:spPr>
       </p:pic>
+      <p:sp>
+        <p:nvSpPr>
+          <p:cNvPr id="2" name="Title 1">
+            <a:extLst>
+              <a:ext uri="{FF2B5EF4-FFF2-40B4-BE49-F238E27FC236}">
+                <a16:creationId xmlns:a16="http://schemas.microsoft.com/office/drawing/2014/main" id="{AF417423-8306-4D10-B4DA-79041A6117B3}"/>
+              </a:ext>
+            </a:extLst>
+          </p:cNvPr>
+          <p:cNvSpPr>
+            <a:spLocks noGrp="1"/>
+          </p:cNvSpPr>
+          <p:nvPr>
+            <p:ph type="title"/>
+          </p:nvPr>
+        </p:nvSpPr>
+        <p:spPr>
+          <a:xfrm>
+            <a:off x="909145" y="183821"/>
+            <a:ext cx="10515600" cy="635985"/>
+          </a:xfrm>
+        </p:spPr>
+        <p:txBody>
+          <a:bodyPr>
+            <a:normAutofit/>
+          </a:bodyPr>
+          <a:lstStyle/>
+          <a:p>
+            <a:pPr algn="ctr"/>
+            <a:r>
+              <a:rPr lang="en-US" sz="3800" dirty="0">
+                <a:latin typeface="Arial" panose="020B0604020202020204" pitchFamily="34" charset="0"/>
+                <a:cs typeface="Arial" panose="020B0604020202020204" pitchFamily="34" charset="0"/>
+              </a:rPr>
+              <a:t>Commits and branches</a:t>
+            </a:r>
+          </a:p>
+        </p:txBody>
+      </p:sp>
+      <p:sp>
+        <p:nvSpPr>
+          <p:cNvPr id="3" name="Content Placeholder 2">
+            <a:extLst>
+              <a:ext uri="{FF2B5EF4-FFF2-40B4-BE49-F238E27FC236}">
+                <a16:creationId xmlns:a16="http://schemas.microsoft.com/office/drawing/2014/main" id="{885F3717-1B7D-4AED-B1FB-46501530334E}"/>
+              </a:ext>
+            </a:extLst>
+          </p:cNvPr>
+          <p:cNvSpPr>
+            <a:spLocks noGrp="1"/>
+          </p:cNvSpPr>
+          <p:nvPr>
+            <p:ph idx="1"/>
+          </p:nvPr>
+        </p:nvSpPr>
+        <p:spPr>
+          <a:xfrm>
+            <a:off x="838200" y="1253331"/>
+            <a:ext cx="10515600" cy="4351338"/>
+          </a:xfrm>
+        </p:spPr>
+        <p:txBody>
+          <a:bodyPr>
+            <a:normAutofit/>
+          </a:bodyPr>
+          <a:lstStyle/>
+          <a:p>
+            <a:r>
+              <a:rPr lang="en-US" sz="2000" dirty="0">
+                <a:latin typeface="Arial" panose="020B0604020202020204" pitchFamily="34" charset="0"/>
+                <a:cs typeface="Arial" panose="020B0604020202020204" pitchFamily="34" charset="0"/>
+              </a:rPr>
+              <a:t>A </a:t>
+            </a:r>
+            <a:r>
+              <a:rPr lang="en-US" sz="2000" b="1" dirty="0">
+                <a:latin typeface="Arial" panose="020B0604020202020204" pitchFamily="34" charset="0"/>
+                <a:cs typeface="Arial" panose="020B0604020202020204" pitchFamily="34" charset="0"/>
+              </a:rPr>
+              <a:t>branch</a:t>
+            </a:r>
+            <a:r>
+              <a:rPr lang="en-US" sz="2000" dirty="0">
+                <a:latin typeface="Arial" panose="020B0604020202020204" pitchFamily="34" charset="0"/>
+                <a:cs typeface="Arial" panose="020B0604020202020204" pitchFamily="34" charset="0"/>
+              </a:rPr>
+              <a:t> is a pointer to a commit.</a:t>
+            </a:r>
+          </a:p>
+          <a:p>
+            <a:r>
+              <a:rPr lang="en-US" sz="2000" dirty="0">
+                <a:latin typeface="Arial" panose="020B0604020202020204" pitchFamily="34" charset="0"/>
+                <a:cs typeface="Arial" panose="020B0604020202020204" pitchFamily="34" charset="0"/>
+              </a:rPr>
+              <a:t>The default branch in git is called </a:t>
+            </a:r>
+            <a:r>
+              <a:rPr lang="en-US" sz="2000" b="1" dirty="0">
+                <a:latin typeface="Arial" panose="020B0604020202020204" pitchFamily="34" charset="0"/>
+                <a:cs typeface="Arial" panose="020B0604020202020204" pitchFamily="34" charset="0"/>
+              </a:rPr>
+              <a:t>main</a:t>
+            </a:r>
+            <a:r>
+              <a:rPr lang="en-US" sz="2000" dirty="0">
+                <a:latin typeface="Arial" panose="020B0604020202020204" pitchFamily="34" charset="0"/>
+                <a:cs typeface="Arial" panose="020B0604020202020204" pitchFamily="34" charset="0"/>
+              </a:rPr>
+              <a:t> (formerly </a:t>
+            </a:r>
+            <a:r>
+              <a:rPr lang="en-US" sz="2000" b="1" dirty="0">
+                <a:latin typeface="Arial" panose="020B0604020202020204" pitchFamily="34" charset="0"/>
+                <a:cs typeface="Arial" panose="020B0604020202020204" pitchFamily="34" charset="0"/>
+              </a:rPr>
+              <a:t>master)</a:t>
+            </a:r>
+            <a:r>
+              <a:rPr lang="en-US" sz="2000" dirty="0">
+                <a:latin typeface="Arial" panose="020B0604020202020204" pitchFamily="34" charset="0"/>
+                <a:cs typeface="Arial" panose="020B0604020202020204" pitchFamily="34" charset="0"/>
+              </a:rPr>
+              <a:t>, referred to as the “main branch”.</a:t>
+            </a:r>
+          </a:p>
+        </p:txBody>
+      </p:sp>
+      <p:sp>
+        <p:nvSpPr>
+          <p:cNvPr id="4" name="Rectangle 3">
+            <a:extLst>
+              <a:ext uri="{FF2B5EF4-FFF2-40B4-BE49-F238E27FC236}">
+                <a16:creationId xmlns:a16="http://schemas.microsoft.com/office/drawing/2014/main" id="{3F3DB16B-F7CB-46C0-A666-9C53FFBE3A92}"/>
+              </a:ext>
+            </a:extLst>
+          </p:cNvPr>
+          <p:cNvSpPr/>
+          <p:nvPr/>
+        </p:nvSpPr>
+        <p:spPr>
+          <a:xfrm>
+            <a:off x="3290294" y="6460498"/>
+            <a:ext cx="6015429" cy="307777"/>
+          </a:xfrm>
+          <a:prstGeom prst="rect">
+            <a:avLst/>
+          </a:prstGeom>
+        </p:spPr>
+        <p:txBody>
+          <a:bodyPr wrap="none">
+            <a:spAutoFit/>
+          </a:bodyPr>
+          <a:lstStyle/>
+          <a:p>
+            <a:r>
+              <a:rPr lang="en-US" sz="1400" i="1" dirty="0">
+                <a:latin typeface="Arial" panose="020B0604020202020204" pitchFamily="34" charset="0"/>
+                <a:cs typeface="Arial" panose="020B0604020202020204" pitchFamily="34" charset="0"/>
+              </a:rPr>
+              <a:t>Adapted from P. Stewart: An introduction to version control with git. 2018  </a:t>
+            </a:r>
+          </a:p>
+        </p:txBody>
+      </p:sp>
       <p:pic>
         <p:nvPicPr>
           <p:cNvPr id="7" name="Picture 6">
@@ -8478,22 +9066,302 @@
 </a:theme>
 </file>
 
-<file path=customXml/item1.xml><?xml version="1.0" encoding="utf-8"?>
-<p:properties xmlns:p="http://schemas.microsoft.com/office/2006/metadata/properties" xmlns:xsi="http://www.w3.org/2001/XMLSchema-instance" xmlns:pc="http://schemas.microsoft.com/office/infopath/2007/PartnerControls">
-  <documentManagement/>
-</p:properties>
+<file path=ppt/theme/theme2.xml><?xml version="1.0" encoding="utf-8"?>
+<a:theme xmlns:a="http://schemas.openxmlformats.org/drawingml/2006/main" name="Office Theme">
+  <a:themeElements>
+    <a:clrScheme name="Office">
+      <a:dk1>
+        <a:sysClr val="windowText" lastClr="000000"/>
+      </a:dk1>
+      <a:lt1>
+        <a:sysClr val="window" lastClr="FFFFFF"/>
+      </a:lt1>
+      <a:dk2>
+        <a:srgbClr val="44546A"/>
+      </a:dk2>
+      <a:lt2>
+        <a:srgbClr val="E7E6E6"/>
+      </a:lt2>
+      <a:accent1>
+        <a:srgbClr val="4472C4"/>
+      </a:accent1>
+      <a:accent2>
+        <a:srgbClr val="ED7D31"/>
+      </a:accent2>
+      <a:accent3>
+        <a:srgbClr val="A5A5A5"/>
+      </a:accent3>
+      <a:accent4>
+        <a:srgbClr val="FFC000"/>
+      </a:accent4>
+      <a:accent5>
+        <a:srgbClr val="5B9BD5"/>
+      </a:accent5>
+      <a:accent6>
+        <a:srgbClr val="70AD47"/>
+      </a:accent6>
+      <a:hlink>
+        <a:srgbClr val="0563C1"/>
+      </a:hlink>
+      <a:folHlink>
+        <a:srgbClr val="954F72"/>
+      </a:folHlink>
+    </a:clrScheme>
+    <a:fontScheme name="Office">
+      <a:majorFont>
+        <a:latin typeface="Calibri Light" panose="020F0302020204030204"/>
+        <a:ea typeface=""/>
+        <a:cs typeface=""/>
+        <a:font script="Jpan" typeface="游ゴシック Light"/>
+        <a:font script="Hang" typeface="맑은 고딕"/>
+        <a:font script="Hans" typeface="等线 Light"/>
+        <a:font script="Hant" typeface="新細明體"/>
+        <a:font script="Arab" typeface="Times New Roman"/>
+        <a:font script="Hebr" typeface="Times New Roman"/>
+        <a:font script="Thai" typeface="Angsana New"/>
+        <a:font script="Ethi" typeface="Nyala"/>
+        <a:font script="Beng" typeface="Vrinda"/>
+        <a:font script="Gujr" typeface="Shruti"/>
+        <a:font script="Khmr" typeface="MoolBoran"/>
+        <a:font script="Knda" typeface="Tunga"/>
+        <a:font script="Guru" typeface="Raavi"/>
+        <a:font script="Cans" typeface="Euphemia"/>
+        <a:font script="Cher" typeface="Plantagenet Cherokee"/>
+        <a:font script="Yiii" typeface="Microsoft Yi Baiti"/>
+        <a:font script="Tibt" typeface="Microsoft Himalaya"/>
+        <a:font script="Thaa" typeface="MV Boli"/>
+        <a:font script="Deva" typeface="Mangal"/>
+        <a:font script="Telu" typeface="Gautami"/>
+        <a:font script="Taml" typeface="Latha"/>
+        <a:font script="Syrc" typeface="Estrangelo Edessa"/>
+        <a:font script="Orya" typeface="Kalinga"/>
+        <a:font script="Mlym" typeface="Kartika"/>
+        <a:font script="Laoo" typeface="DokChampa"/>
+        <a:font script="Sinh" typeface="Iskoola Pota"/>
+        <a:font script="Mong" typeface="Mongolian Baiti"/>
+        <a:font script="Viet" typeface="Times New Roman"/>
+        <a:font script="Uigh" typeface="Microsoft Uighur"/>
+        <a:font script="Geor" typeface="Sylfaen"/>
+        <a:font script="Armn" typeface="Arial"/>
+        <a:font script="Bugi" typeface="Leelawadee UI"/>
+        <a:font script="Bopo" typeface="Microsoft JhengHei"/>
+        <a:font script="Java" typeface="Javanese Text"/>
+        <a:font script="Lisu" typeface="Segoe UI"/>
+        <a:font script="Mymr" typeface="Myanmar Text"/>
+        <a:font script="Nkoo" typeface="Ebrima"/>
+        <a:font script="Olck" typeface="Nirmala UI"/>
+        <a:font script="Osma" typeface="Ebrima"/>
+        <a:font script="Phag" typeface="Phagspa"/>
+        <a:font script="Syrn" typeface="Estrangelo Edessa"/>
+        <a:font script="Syrj" typeface="Estrangelo Edessa"/>
+        <a:font script="Syre" typeface="Estrangelo Edessa"/>
+        <a:font script="Sora" typeface="Nirmala UI"/>
+        <a:font script="Tale" typeface="Microsoft Tai Le"/>
+        <a:font script="Talu" typeface="Microsoft New Tai Lue"/>
+        <a:font script="Tfng" typeface="Ebrima"/>
+      </a:majorFont>
+      <a:minorFont>
+        <a:latin typeface="Calibri" panose="020F0502020204030204"/>
+        <a:ea typeface=""/>
+        <a:cs typeface=""/>
+        <a:font script="Jpan" typeface="游ゴシック"/>
+        <a:font script="Hang" typeface="맑은 고딕"/>
+        <a:font script="Hans" typeface="等线"/>
+        <a:font script="Hant" typeface="新細明體"/>
+        <a:font script="Arab" typeface="Arial"/>
+        <a:font script="Hebr" typeface="Arial"/>
+        <a:font script="Thai" typeface="Cordia New"/>
+        <a:font script="Ethi" typeface="Nyala"/>
+        <a:font script="Beng" typeface="Vrinda"/>
+        <a:font script="Gujr" typeface="Shruti"/>
+        <a:font script="Khmr" typeface="DaunPenh"/>
+        <a:font script="Knda" typeface="Tunga"/>
+        <a:font script="Guru" typeface="Raavi"/>
+        <a:font script="Cans" typeface="Euphemia"/>
+        <a:font script="Cher" typeface="Plantagenet Cherokee"/>
+        <a:font script="Yiii" typeface="Microsoft Yi Baiti"/>
+        <a:font script="Tibt" typeface="Microsoft Himalaya"/>
+        <a:font script="Thaa" typeface="MV Boli"/>
+        <a:font script="Deva" typeface="Mangal"/>
+        <a:font script="Telu" typeface="Gautami"/>
+        <a:font script="Taml" typeface="Latha"/>
+        <a:font script="Syrc" typeface="Estrangelo Edessa"/>
+        <a:font script="Orya" typeface="Kalinga"/>
+        <a:font script="Mlym" typeface="Kartika"/>
+        <a:font script="Laoo" typeface="DokChampa"/>
+        <a:font script="Sinh" typeface="Iskoola Pota"/>
+        <a:font script="Mong" typeface="Mongolian Baiti"/>
+        <a:font script="Viet" typeface="Arial"/>
+        <a:font script="Uigh" typeface="Microsoft Uighur"/>
+        <a:font script="Geor" typeface="Sylfaen"/>
+        <a:font script="Armn" typeface="Arial"/>
+        <a:font script="Bugi" typeface="Leelawadee UI"/>
+        <a:font script="Bopo" typeface="Microsoft JhengHei"/>
+        <a:font script="Java" typeface="Javanese Text"/>
+        <a:font script="Lisu" typeface="Segoe UI"/>
+        <a:font script="Mymr" typeface="Myanmar Text"/>
+        <a:font script="Nkoo" typeface="Ebrima"/>
+        <a:font script="Olck" typeface="Nirmala UI"/>
+        <a:font script="Osma" typeface="Ebrima"/>
+        <a:font script="Phag" typeface="Phagspa"/>
+        <a:font script="Syrn" typeface="Estrangelo Edessa"/>
+        <a:font script="Syrj" typeface="Estrangelo Edessa"/>
+        <a:font script="Syre" typeface="Estrangelo Edessa"/>
+        <a:font script="Sora" typeface="Nirmala UI"/>
+        <a:font script="Tale" typeface="Microsoft Tai Le"/>
+        <a:font script="Talu" typeface="Microsoft New Tai Lue"/>
+        <a:font script="Tfng" typeface="Ebrima"/>
+      </a:minorFont>
+    </a:fontScheme>
+    <a:fmtScheme name="Office">
+      <a:fillStyleLst>
+        <a:solidFill>
+          <a:schemeClr val="phClr"/>
+        </a:solidFill>
+        <a:gradFill rotWithShape="1">
+          <a:gsLst>
+            <a:gs pos="0">
+              <a:schemeClr val="phClr">
+                <a:lumMod val="110000"/>
+                <a:satMod val="105000"/>
+                <a:tint val="67000"/>
+              </a:schemeClr>
+            </a:gs>
+            <a:gs pos="50000">
+              <a:schemeClr val="phClr">
+                <a:lumMod val="105000"/>
+                <a:satMod val="103000"/>
+                <a:tint val="73000"/>
+              </a:schemeClr>
+            </a:gs>
+            <a:gs pos="100000">
+              <a:schemeClr val="phClr">
+                <a:lumMod val="105000"/>
+                <a:satMod val="109000"/>
+                <a:tint val="81000"/>
+              </a:schemeClr>
+            </a:gs>
+          </a:gsLst>
+          <a:lin ang="5400000" scaled="0"/>
+        </a:gradFill>
+        <a:gradFill rotWithShape="1">
+          <a:gsLst>
+            <a:gs pos="0">
+              <a:schemeClr val="phClr">
+                <a:satMod val="103000"/>
+                <a:lumMod val="102000"/>
+                <a:tint val="94000"/>
+              </a:schemeClr>
+            </a:gs>
+            <a:gs pos="50000">
+              <a:schemeClr val="phClr">
+                <a:satMod val="110000"/>
+                <a:lumMod val="100000"/>
+                <a:shade val="100000"/>
+              </a:schemeClr>
+            </a:gs>
+            <a:gs pos="100000">
+              <a:schemeClr val="phClr">
+                <a:lumMod val="99000"/>
+                <a:satMod val="120000"/>
+                <a:shade val="78000"/>
+              </a:schemeClr>
+            </a:gs>
+          </a:gsLst>
+          <a:lin ang="5400000" scaled="0"/>
+        </a:gradFill>
+      </a:fillStyleLst>
+      <a:lnStyleLst>
+        <a:ln w="6350" cap="flat" cmpd="sng" algn="ctr">
+          <a:solidFill>
+            <a:schemeClr val="phClr"/>
+          </a:solidFill>
+          <a:prstDash val="solid"/>
+          <a:miter lim="800000"/>
+        </a:ln>
+        <a:ln w="12700" cap="flat" cmpd="sng" algn="ctr">
+          <a:solidFill>
+            <a:schemeClr val="phClr"/>
+          </a:solidFill>
+          <a:prstDash val="solid"/>
+          <a:miter lim="800000"/>
+        </a:ln>
+        <a:ln w="19050" cap="flat" cmpd="sng" algn="ctr">
+          <a:solidFill>
+            <a:schemeClr val="phClr"/>
+          </a:solidFill>
+          <a:prstDash val="solid"/>
+          <a:miter lim="800000"/>
+        </a:ln>
+      </a:lnStyleLst>
+      <a:effectStyleLst>
+        <a:effectStyle>
+          <a:effectLst/>
+        </a:effectStyle>
+        <a:effectStyle>
+          <a:effectLst/>
+        </a:effectStyle>
+        <a:effectStyle>
+          <a:effectLst>
+            <a:outerShdw blurRad="57150" dist="19050" dir="5400000" algn="ctr" rotWithShape="0">
+              <a:srgbClr val="000000">
+                <a:alpha val="63000"/>
+              </a:srgbClr>
+            </a:outerShdw>
+          </a:effectLst>
+        </a:effectStyle>
+      </a:effectStyleLst>
+      <a:bgFillStyleLst>
+        <a:solidFill>
+          <a:schemeClr val="phClr"/>
+        </a:solidFill>
+        <a:solidFill>
+          <a:schemeClr val="phClr">
+            <a:tint val="95000"/>
+            <a:satMod val="170000"/>
+          </a:schemeClr>
+        </a:solidFill>
+        <a:gradFill rotWithShape="1">
+          <a:gsLst>
+            <a:gs pos="0">
+              <a:schemeClr val="phClr">
+                <a:tint val="93000"/>
+                <a:satMod val="150000"/>
+                <a:shade val="98000"/>
+                <a:lumMod val="102000"/>
+              </a:schemeClr>
+            </a:gs>
+            <a:gs pos="50000">
+              <a:schemeClr val="phClr">
+                <a:tint val="98000"/>
+                <a:satMod val="130000"/>
+                <a:shade val="90000"/>
+                <a:lumMod val="103000"/>
+              </a:schemeClr>
+            </a:gs>
+            <a:gs pos="100000">
+              <a:schemeClr val="phClr">
+                <a:shade val="63000"/>
+                <a:satMod val="120000"/>
+              </a:schemeClr>
+            </a:gs>
+          </a:gsLst>
+          <a:lin ang="5400000" scaled="0"/>
+        </a:gradFill>
+      </a:bgFillStyleLst>
+    </a:fmtScheme>
+  </a:themeElements>
+  <a:objectDefaults/>
+  <a:extraClrSchemeLst/>
+  <a:extLst>
+    <a:ext uri="{05A4C25C-085E-4340-85A3-A5531E510DB2}">
+      <thm15:themeFamily xmlns:thm15="http://schemas.microsoft.com/office/thememl/2012/main" name="Office Theme" id="{62F939B6-93AF-4DB8-9C6B-D6C7DFDC589F}" vid="{4A3C46E8-61CC-4603-A589-7422A47A8E4A}"/>
+    </a:ext>
+  </a:extLst>
+</a:theme>
 </file>
 
-<file path=customXml/item2.xml><?xml version="1.0" encoding="utf-8"?>
-<?mso-contentType ?>
-<FormTemplates xmlns="http://schemas.microsoft.com/sharepoint/v3/contenttype/forms">
-  <Display>DocumentLibraryForm</Display>
-  <Edit>DocumentLibraryForm</Edit>
-  <New>DocumentLibraryForm</New>
-</FormTemplates>
-</file>
-
-<file path=customXml/item3.xml><?xml version="1.0" encoding="utf-8"?>
+<file path=customXml/item1.xml><?xml version="1.0" encoding="utf-8"?>
 <ct:contentTypeSchema xmlns:ct="http://schemas.microsoft.com/office/2006/metadata/contentType" xmlns:ma="http://schemas.microsoft.com/office/2006/metadata/properties/metaAttributes" ct:_="" ma:_="" ma:contentTypeName="Document" ma:contentTypeID="0x01010008DE7CC5C013854C8D831F4F1F6E2045" ma:contentTypeVersion="13" ma:contentTypeDescription="Create a new document." ma:contentTypeScope="" ma:versionID="32f9c57f50ab30846df3184c23eb0edc">
   <xsd:schema xmlns:xsd="http://www.w3.org/2001/XMLSchema" xmlns:xs="http://www.w3.org/2001/XMLSchema" xmlns:p="http://schemas.microsoft.com/office/2006/metadata/properties" xmlns:ns3="52573661-8a19-4e53-b936-df25772e9cc8" xmlns:ns4="3fdb42ce-0dfe-439d-a0dd-8cc3b00e27d2" targetNamespace="http://schemas.microsoft.com/office/2006/metadata/properties" ma:root="true" ma:fieldsID="61da3d4a82386eb0f4287b1eb5a568e0" ns3:_="" ns4:_="">
     <xsd:import namespace="52573661-8a19-4e53-b936-df25772e9cc8"/>
@@ -8716,32 +9584,22 @@
 </ct:contentTypeSchema>
 </file>
 
-<file path=customXml/itemProps1.xml><?xml version="1.0" encoding="utf-8"?>
-<ds:datastoreItem xmlns:ds="http://schemas.openxmlformats.org/officeDocument/2006/customXml" ds:itemID="{A5AEE0C9-F970-4AC0-B751-F0B579F6A702}">
-  <ds:schemaRefs>
-    <ds:schemaRef ds:uri="http://purl.org/dc/elements/1.1/"/>
-    <ds:schemaRef ds:uri="http://schemas.microsoft.com/office/2006/metadata/properties"/>
-    <ds:schemaRef ds:uri="http://purl.org/dc/terms/"/>
-    <ds:schemaRef ds:uri="http://schemas.openxmlformats.org/package/2006/metadata/core-properties"/>
-    <ds:schemaRef ds:uri="http://schemas.microsoft.com/office/2006/documentManagement/types"/>
-    <ds:schemaRef ds:uri="http://purl.org/dc/dcmitype/"/>
-    <ds:schemaRef ds:uri="3fdb42ce-0dfe-439d-a0dd-8cc3b00e27d2"/>
-    <ds:schemaRef ds:uri="http://schemas.microsoft.com/office/infopath/2007/PartnerControls"/>
-    <ds:schemaRef ds:uri="52573661-8a19-4e53-b936-df25772e9cc8"/>
-    <ds:schemaRef ds:uri="http://www.w3.org/XML/1998/namespace"/>
-  </ds:schemaRefs>
-</ds:datastoreItem>
+<file path=customXml/item2.xml><?xml version="1.0" encoding="utf-8"?>
+<?mso-contentType ?>
+<FormTemplates xmlns="http://schemas.microsoft.com/sharepoint/v3/contenttype/forms">
+  <Display>DocumentLibraryForm</Display>
+  <Edit>DocumentLibraryForm</Edit>
+  <New>DocumentLibraryForm</New>
+</FormTemplates>
 </file>
 
-<file path=customXml/itemProps2.xml><?xml version="1.0" encoding="utf-8"?>
-<ds:datastoreItem xmlns:ds="http://schemas.openxmlformats.org/officeDocument/2006/customXml" ds:itemID="{BDB90D68-3A7F-4720-8052-38ACBD5574CC}">
-  <ds:schemaRefs>
-    <ds:schemaRef ds:uri="http://schemas.microsoft.com/sharepoint/v3/contenttype/forms"/>
-  </ds:schemaRefs>
-</ds:datastoreItem>
+<file path=customXml/item3.xml><?xml version="1.0" encoding="utf-8"?>
+<p:properties xmlns:p="http://schemas.microsoft.com/office/2006/metadata/properties" xmlns:xsi="http://www.w3.org/2001/XMLSchema-instance" xmlns:pc="http://schemas.microsoft.com/office/infopath/2007/PartnerControls">
+  <documentManagement/>
+</p:properties>
 </file>
 
-<file path=customXml/itemProps3.xml><?xml version="1.0" encoding="utf-8"?>
+<file path=customXml/itemProps1.xml><?xml version="1.0" encoding="utf-8"?>
 <ds:datastoreItem xmlns:ds="http://schemas.openxmlformats.org/officeDocument/2006/customXml" ds:itemID="{73766519-67D2-4D84-B89B-C3B94E5BFCD3}">
   <ds:schemaRefs>
     <ds:schemaRef ds:uri="http://schemas.microsoft.com/office/2006/metadata/contentType"/>
@@ -8758,4 +9616,29 @@
     <ds:schemaRef ds:uri="http://schemas.microsoft.com/internal/obd"/>
   </ds:schemaRefs>
 </ds:datastoreItem>
+</file>
+
+<file path=customXml/itemProps2.xml><?xml version="1.0" encoding="utf-8"?>
+<ds:datastoreItem xmlns:ds="http://schemas.openxmlformats.org/officeDocument/2006/customXml" ds:itemID="{BDB90D68-3A7F-4720-8052-38ACBD5574CC}">
+  <ds:schemaRefs>
+    <ds:schemaRef ds:uri="http://schemas.microsoft.com/sharepoint/v3/contenttype/forms"/>
+  </ds:schemaRefs>
+</ds:datastoreItem>
+</file>
+
+<file path=customXml/itemProps3.xml><?xml version="1.0" encoding="utf-8"?>
+<ds:datastoreItem xmlns:ds="http://schemas.openxmlformats.org/officeDocument/2006/customXml" ds:itemID="{A5AEE0C9-F970-4AC0-B751-F0B579F6A702}">
+  <ds:schemaRefs>
+    <ds:schemaRef ds:uri="http://purl.org/dc/dcmitype/"/>
+    <ds:schemaRef ds:uri="3fdb42ce-0dfe-439d-a0dd-8cc3b00e27d2"/>
+    <ds:schemaRef ds:uri="http://schemas.microsoft.com/office/2006/documentManagement/types"/>
+    <ds:schemaRef ds:uri="http://purl.org/dc/elements/1.1/"/>
+    <ds:schemaRef ds:uri="http://schemas.microsoft.com/office/2006/metadata/properties"/>
+    <ds:schemaRef ds:uri="http://purl.org/dc/terms/"/>
+    <ds:schemaRef ds:uri="http://schemas.openxmlformats.org/package/2006/metadata/core-properties"/>
+    <ds:schemaRef ds:uri="52573661-8a19-4e53-b936-df25772e9cc8"/>
+    <ds:schemaRef ds:uri="http://schemas.microsoft.com/office/infopath/2007/PartnerControls"/>
+    <ds:schemaRef ds:uri="http://www.w3.org/XML/1998/namespace"/>
+  </ds:schemaRefs>
+</ds:datastoreItem>
 </file>